--- a/teaching/25F-2110/slides/2110-topic 9-Sorting.pptx
+++ b/teaching/25F-2110/slides/2110-topic 9-Sorting.pptx
@@ -267,7 +267,7 @@
           <a:p>
             <a:fld id="{F4148CA8-9278-4B40-937F-6E3C2BF581C1}" type="datetimeFigureOut">
               <a:rPr lang="en-US" smtClean="0"/>
-              <a:t>10/22/25</a:t>
+              <a:t>10/28/25</a:t>
             </a:fld>
             <a:endParaRPr lang="en-US"/>
           </a:p>
@@ -449,7 +449,7 @@
             <a:fld id="{34DB6FDB-1F14-42DA-810B-CC9ECC19F56C}" type="datetimeFigureOut">
               <a:rPr lang="en-US" smtClean="0"/>
               <a:pPr/>
-              <a:t>10/22/25</a:t>
+              <a:t>10/28/25</a:t>
             </a:fld>
             <a:endParaRPr lang="en-US" dirty="0"/>
           </a:p>
@@ -943,7 +943,7 @@
           <a:p>
             <a:fld id="{D0F8C723-035A-4CB3-9C59-1A88DFA1EAFE}" type="datetimeFigureOut">
               <a:rPr lang="en-US" smtClean="0"/>
-              <a:t>10/22/25</a:t>
+              <a:t>10/28/25</a:t>
             </a:fld>
             <a:endParaRPr lang="en-US"/>
           </a:p>
@@ -1237,7 +1237,7 @@
           <a:p>
             <a:fld id="{D0F8C723-035A-4CB3-9C59-1A88DFA1EAFE}" type="datetimeFigureOut">
               <a:rPr lang="en-US" smtClean="0"/>
-              <a:t>10/22/25</a:t>
+              <a:t>10/28/25</a:t>
             </a:fld>
             <a:endParaRPr lang="en-US"/>
           </a:p>
@@ -1441,7 +1441,7 @@
           <a:p>
             <a:fld id="{D0F8C723-035A-4CB3-9C59-1A88DFA1EAFE}" type="datetimeFigureOut">
               <a:rPr lang="en-US" smtClean="0"/>
-              <a:t>10/22/25</a:t>
+              <a:t>10/28/25</a:t>
             </a:fld>
             <a:endParaRPr lang="en-US"/>
           </a:p>
@@ -1968,7 +1968,7 @@
           <a:p>
             <a:fld id="{D0F8C723-035A-4CB3-9C59-1A88DFA1EAFE}" type="datetimeFigureOut">
               <a:rPr lang="en-US" smtClean="0"/>
-              <a:t>10/22/25</a:t>
+              <a:t>10/28/25</a:t>
             </a:fld>
             <a:endParaRPr lang="en-US"/>
           </a:p>
@@ -2223,7 +2223,7 @@
           <a:p>
             <a:fld id="{D0F8C723-035A-4CB3-9C59-1A88DFA1EAFE}" type="datetimeFigureOut">
               <a:rPr lang="en-US" smtClean="0"/>
-              <a:t>10/22/25</a:t>
+              <a:t>10/28/25</a:t>
             </a:fld>
             <a:endParaRPr lang="en-US"/>
           </a:p>
@@ -2614,7 +2614,7 @@
           <a:p>
             <a:fld id="{D0F8C723-035A-4CB3-9C59-1A88DFA1EAFE}" type="datetimeFigureOut">
               <a:rPr lang="en-US" smtClean="0"/>
-              <a:t>10/22/25</a:t>
+              <a:t>10/28/25</a:t>
             </a:fld>
             <a:endParaRPr lang="en-US"/>
           </a:p>
@@ -2756,7 +2756,7 @@
           <a:p>
             <a:fld id="{D0F8C723-035A-4CB3-9C59-1A88DFA1EAFE}" type="datetimeFigureOut">
               <a:rPr lang="en-US" smtClean="0"/>
-              <a:t>10/22/25</a:t>
+              <a:t>10/28/25</a:t>
             </a:fld>
             <a:endParaRPr lang="en-US"/>
           </a:p>
@@ -2875,7 +2875,7 @@
           <a:p>
             <a:fld id="{D0F8C723-035A-4CB3-9C59-1A88DFA1EAFE}" type="datetimeFigureOut">
               <a:rPr lang="en-US" smtClean="0"/>
-              <a:t>10/22/25</a:t>
+              <a:t>10/28/25</a:t>
             </a:fld>
             <a:endParaRPr lang="en-US"/>
           </a:p>
@@ -3176,7 +3176,7 @@
           <a:p>
             <a:fld id="{D0F8C723-035A-4CB3-9C59-1A88DFA1EAFE}" type="datetimeFigureOut">
               <a:rPr lang="en-US" smtClean="0"/>
-              <a:t>10/22/25</a:t>
+              <a:t>10/28/25</a:t>
             </a:fld>
             <a:endParaRPr lang="en-US"/>
           </a:p>
@@ -3457,7 +3457,7 @@
           <a:p>
             <a:fld id="{D0F8C723-035A-4CB3-9C59-1A88DFA1EAFE}" type="datetimeFigureOut">
               <a:rPr lang="en-US" smtClean="0"/>
-              <a:t>10/22/25</a:t>
+              <a:t>10/28/25</a:t>
             </a:fld>
             <a:endParaRPr lang="en-US"/>
           </a:p>
@@ -11638,10 +11638,10 @@
       </p:cxnSp>
       <p:pic>
         <p:nvPicPr>
-          <p:cNvPr id="4" name="Picture 3">
+          <p:cNvPr id="2" name="Picture 1">
             <a:extLst>
               <a:ext uri="{FF2B5EF4-FFF2-40B4-BE49-F238E27FC236}">
-                <a16:creationId xmlns:a16="http://schemas.microsoft.com/office/drawing/2014/main" id="{E089D194-14B9-4762-BD2D-58709E66528C}"/>
+                <a16:creationId xmlns:a16="http://schemas.microsoft.com/office/drawing/2014/main" id="{CD78D23F-57F1-B3A6-0905-7AABDE73B831}"/>
               </a:ext>
             </a:extLst>
           </p:cNvPr>
@@ -11658,8 +11658,8 @@
         </p:blipFill>
         <p:spPr>
           <a:xfrm>
-            <a:off x="2456151" y="1189987"/>
-            <a:ext cx="4231698" cy="5167801"/>
+            <a:off x="2623966" y="1040376"/>
+            <a:ext cx="3896066" cy="5439251"/>
           </a:xfrm>
           <a:prstGeom prst="rect">
             <a:avLst/>
@@ -13648,7 +13648,7 @@
                 </a:solidFill>
                 <a:latin typeface="Comic Sans MS" panose="030F0902030302020204" pitchFamily="66" charset="0"/>
               </a:rPr>
-              <a:t>Merge Sort Time Analysis</a:t>
+              <a:t>Merge Sort</a:t>
             </a:r>
           </a:p>
         </p:txBody>
@@ -13935,294 +13935,65 @@
       </p:sp>
       <p:pic>
         <p:nvPicPr>
-          <p:cNvPr id="9" name="Picture 2">
+          <p:cNvPr id="7" name="Picture 6">
             <a:extLst>
               <a:ext uri="{FF2B5EF4-FFF2-40B4-BE49-F238E27FC236}">
-                <a16:creationId xmlns:a16="http://schemas.microsoft.com/office/drawing/2014/main" id="{B6E8A110-2678-435E-9FE4-2B332F463E59}"/>
+                <a16:creationId xmlns:a16="http://schemas.microsoft.com/office/drawing/2014/main" id="{17BA7B80-C26B-6D87-39C3-23F98411FC57}"/>
               </a:ext>
             </a:extLst>
           </p:cNvPr>
           <p:cNvPicPr>
-            <a:picLocks noChangeAspect="1" noChangeArrowheads="1"/>
+            <a:picLocks noChangeAspect="1"/>
           </p:cNvPicPr>
           <p:nvPr/>
         </p:nvPicPr>
         <p:blipFill>
-          <a:blip r:embed="rId2">
-            <a:extLst>
-              <a:ext uri="{28A0092B-C50C-407E-A947-70E740481C1C}">
-                <a14:useLocalDpi xmlns:a14="http://schemas.microsoft.com/office/drawing/2010/main" val="0"/>
-              </a:ext>
-            </a:extLst>
-          </a:blip>
-          <a:srcRect/>
+          <a:blip r:embed="rId2"/>
+          <a:srcRect r="30210"/>
           <a:stretch>
             <a:fillRect/>
           </a:stretch>
         </p:blipFill>
-        <p:spPr bwMode="auto">
+        <p:spPr>
           <a:xfrm>
-            <a:off x="228600" y="1293499"/>
-            <a:ext cx="4918927" cy="4738566"/>
+            <a:off x="228600" y="1084899"/>
+            <a:ext cx="3593591" cy="1752894"/>
           </a:xfrm>
           <a:prstGeom prst="rect">
             <a:avLst/>
           </a:prstGeom>
-          <a:noFill/>
-          <a:extLst>
-            <a:ext uri="{909E8E84-426E-40DD-AFC4-6F175D3DCCD1}">
-              <a14:hiddenFill xmlns:a14="http://schemas.microsoft.com/office/drawing/2010/main">
-                <a:solidFill>
-                  <a:srgbClr val="FFFFFF"/>
-                </a:solidFill>
-              </a14:hiddenFill>
-            </a:ext>
-          </a:extLst>
         </p:spPr>
       </p:pic>
-      <p:sp>
-        <p:nvSpPr>
-          <p:cNvPr id="10" name="Rectangle 3">
+      <p:pic>
+        <p:nvPicPr>
+          <p:cNvPr id="12" name="Picture 11">
             <a:extLst>
               <a:ext uri="{FF2B5EF4-FFF2-40B4-BE49-F238E27FC236}">
-                <a16:creationId xmlns:a16="http://schemas.microsoft.com/office/drawing/2014/main" id="{4FAA6CC3-B371-443B-B371-8EC1AE72C755}"/>
+                <a16:creationId xmlns:a16="http://schemas.microsoft.com/office/drawing/2014/main" id="{73B57DCC-D150-6DC6-0617-21ED51574C8B}"/>
               </a:ext>
             </a:extLst>
           </p:cNvPr>
-          <p:cNvSpPr txBox="1">
-            <a:spLocks noChangeArrowheads="1"/>
-          </p:cNvSpPr>
+          <p:cNvPicPr>
+            <a:picLocks noChangeAspect="1"/>
+          </p:cNvPicPr>
           <p:nvPr/>
-        </p:nvSpPr>
-        <p:spPr bwMode="auto">
+        </p:nvPicPr>
+        <p:blipFill>
+          <a:blip r:embed="rId3"/>
+          <a:stretch>
+            <a:fillRect/>
+          </a:stretch>
+        </p:blipFill>
+        <p:spPr>
           <a:xfrm>
-            <a:off x="5147527" y="1237299"/>
-            <a:ext cx="3767872" cy="1154918"/>
+            <a:off x="3796240" y="2704708"/>
+            <a:ext cx="5119159" cy="3615173"/>
           </a:xfrm>
           <a:prstGeom prst="rect">
             <a:avLst/>
           </a:prstGeom>
-          <a:noFill/>
-          <a:ln>
-            <a:noFill/>
-          </a:ln>
-          <a:effectLst/>
-          <a:extLst>
-            <a:ext uri="{909E8E84-426E-40DD-AFC4-6F175D3DCCD1}">
-              <a14:hiddenFill xmlns:a14="http://schemas.microsoft.com/office/drawing/2010/main">
-                <a:solidFill>
-                  <a:schemeClr val="accent1"/>
-                </a:solidFill>
-              </a14:hiddenFill>
-            </a:ext>
-            <a:ext uri="{91240B29-F687-4F45-9708-019B960494DF}">
-              <a14:hiddenLine xmlns:a14="http://schemas.microsoft.com/office/drawing/2010/main" w="9525">
-                <a:solidFill>
-                  <a:schemeClr val="tx1"/>
-                </a:solidFill>
-                <a:miter lim="800000"/>
-                <a:headEnd/>
-                <a:tailEnd/>
-              </a14:hiddenLine>
-            </a:ext>
-            <a:ext uri="{AF507438-7753-43E0-B8FC-AC1667EBCBE1}">
-              <a14:hiddenEffects xmlns:a14="http://schemas.microsoft.com/office/drawing/2010/main">
-                <a:effectLst>
-                  <a:outerShdw dist="35921" dir="2700000" algn="ctr" rotWithShape="0">
-                    <a:schemeClr val="bg2"/>
-                  </a:outerShdw>
-                </a:effectLst>
-              </a14:hiddenEffects>
-            </a:ext>
-          </a:extLst>
         </p:spPr>
-        <p:txBody>
-          <a:bodyPr vert="horz" wrap="square" lIns="91440" tIns="45720" rIns="91440" bIns="45720" numCol="1" anchor="t" anchorCtr="0" compatLnSpc="1">
-            <a:prstTxWarp prst="textNoShape">
-              <a:avLst/>
-            </a:prstTxWarp>
-          </a:bodyPr>
-          <a:lstStyle>
-            <a:lvl1pPr marL="342900" indent="-342900" algn="l" rtl="0" fontAlgn="base">
-              <a:spcBef>
-                <a:spcPct val="20000"/>
-              </a:spcBef>
-              <a:spcAft>
-                <a:spcPct val="0"/>
-              </a:spcAft>
-              <a:buChar char="•"/>
-              <a:defRPr sz="2800" kern="1200">
-                <a:solidFill>
-                  <a:schemeClr val="accent2"/>
-                </a:solidFill>
-                <a:latin typeface="+mn-lt"/>
-                <a:ea typeface="+mn-ea"/>
-                <a:cs typeface="+mn-cs"/>
-              </a:defRPr>
-            </a:lvl1pPr>
-            <a:lvl2pPr marL="742950" indent="-285750" algn="l" rtl="0" fontAlgn="base">
-              <a:spcBef>
-                <a:spcPct val="20000"/>
-              </a:spcBef>
-              <a:spcAft>
-                <a:spcPct val="0"/>
-              </a:spcAft>
-              <a:buChar char="–"/>
-              <a:defRPr sz="2400" kern="1200">
-                <a:solidFill>
-                  <a:schemeClr val="tx1"/>
-                </a:solidFill>
-                <a:latin typeface="+mn-lt"/>
-                <a:ea typeface="+mn-ea"/>
-                <a:cs typeface="+mn-cs"/>
-              </a:defRPr>
-            </a:lvl2pPr>
-            <a:lvl3pPr marL="1143000" indent="-228600" algn="l" rtl="0" fontAlgn="base">
-              <a:spcBef>
-                <a:spcPct val="20000"/>
-              </a:spcBef>
-              <a:spcAft>
-                <a:spcPct val="0"/>
-              </a:spcAft>
-              <a:buChar char="•"/>
-              <a:defRPr sz="2000" kern="1200">
-                <a:solidFill>
-                  <a:schemeClr val="accent2"/>
-                </a:solidFill>
-                <a:latin typeface="+mn-lt"/>
-                <a:ea typeface="+mn-ea"/>
-                <a:cs typeface="+mn-cs"/>
-              </a:defRPr>
-            </a:lvl3pPr>
-            <a:lvl4pPr marL="1600200" indent="-228600" algn="l" rtl="0" fontAlgn="base">
-              <a:spcBef>
-                <a:spcPct val="20000"/>
-              </a:spcBef>
-              <a:spcAft>
-                <a:spcPct val="0"/>
-              </a:spcAft>
-              <a:buChar char="–"/>
-              <a:defRPr kern="1200">
-                <a:solidFill>
-                  <a:schemeClr val="tx1"/>
-                </a:solidFill>
-                <a:latin typeface="+mn-lt"/>
-                <a:ea typeface="+mn-ea"/>
-                <a:cs typeface="+mn-cs"/>
-              </a:defRPr>
-            </a:lvl4pPr>
-            <a:lvl5pPr marL="2057400" indent="-228600" algn="l" rtl="0" fontAlgn="base">
-              <a:spcBef>
-                <a:spcPct val="20000"/>
-              </a:spcBef>
-              <a:spcAft>
-                <a:spcPct val="0"/>
-              </a:spcAft>
-              <a:buChar char="»"/>
-              <a:defRPr sz="1600" kern="1200">
-                <a:solidFill>
-                  <a:schemeClr val="tx1"/>
-                </a:solidFill>
-                <a:latin typeface="+mn-lt"/>
-                <a:ea typeface="+mn-ea"/>
-                <a:cs typeface="+mn-cs"/>
-              </a:defRPr>
-            </a:lvl5pPr>
-            <a:lvl6pPr marL="2514600" indent="-228600" algn="l" defTabSz="914400" rtl="0" eaLnBrk="1" latinLnBrk="0" hangingPunct="1">
-              <a:lnSpc>
-                <a:spcPct val="90000"/>
-              </a:lnSpc>
-              <a:spcBef>
-                <a:spcPts val="500"/>
-              </a:spcBef>
-              <a:buFont typeface="Arial" panose="020B0604020202020204" pitchFamily="34" charset="0"/>
-              <a:buChar char="•"/>
-              <a:defRPr sz="1800" kern="1200">
-                <a:solidFill>
-                  <a:schemeClr val="tx1"/>
-                </a:solidFill>
-                <a:latin typeface="+mn-lt"/>
-                <a:ea typeface="+mn-ea"/>
-                <a:cs typeface="+mn-cs"/>
-              </a:defRPr>
-            </a:lvl6pPr>
-            <a:lvl7pPr marL="2971800" indent="-228600" algn="l" defTabSz="914400" rtl="0" eaLnBrk="1" latinLnBrk="0" hangingPunct="1">
-              <a:lnSpc>
-                <a:spcPct val="90000"/>
-              </a:lnSpc>
-              <a:spcBef>
-                <a:spcPts val="500"/>
-              </a:spcBef>
-              <a:buFont typeface="Arial" panose="020B0604020202020204" pitchFamily="34" charset="0"/>
-              <a:buChar char="•"/>
-              <a:defRPr sz="1800" kern="1200">
-                <a:solidFill>
-                  <a:schemeClr val="tx1"/>
-                </a:solidFill>
-                <a:latin typeface="+mn-lt"/>
-                <a:ea typeface="+mn-ea"/>
-                <a:cs typeface="+mn-cs"/>
-              </a:defRPr>
-            </a:lvl7pPr>
-            <a:lvl8pPr marL="3429000" indent="-228600" algn="l" defTabSz="914400" rtl="0" eaLnBrk="1" latinLnBrk="0" hangingPunct="1">
-              <a:lnSpc>
-                <a:spcPct val="90000"/>
-              </a:lnSpc>
-              <a:spcBef>
-                <a:spcPts val="500"/>
-              </a:spcBef>
-              <a:buFont typeface="Arial" panose="020B0604020202020204" pitchFamily="34" charset="0"/>
-              <a:buChar char="•"/>
-              <a:defRPr sz="1800" kern="1200">
-                <a:solidFill>
-                  <a:schemeClr val="tx1"/>
-                </a:solidFill>
-                <a:latin typeface="+mn-lt"/>
-                <a:ea typeface="+mn-ea"/>
-                <a:cs typeface="+mn-cs"/>
-              </a:defRPr>
-            </a:lvl8pPr>
-            <a:lvl9pPr marL="3886200" indent="-228600" algn="l" defTabSz="914400" rtl="0" eaLnBrk="1" latinLnBrk="0" hangingPunct="1">
-              <a:lnSpc>
-                <a:spcPct val="90000"/>
-              </a:lnSpc>
-              <a:spcBef>
-                <a:spcPts val="500"/>
-              </a:spcBef>
-              <a:buFont typeface="Arial" panose="020B0604020202020204" pitchFamily="34" charset="0"/>
-              <a:buChar char="•"/>
-              <a:defRPr sz="1800" kern="1200">
-                <a:solidFill>
-                  <a:schemeClr val="tx1"/>
-                </a:solidFill>
-                <a:latin typeface="+mn-lt"/>
-                <a:ea typeface="+mn-ea"/>
-                <a:cs typeface="+mn-cs"/>
-              </a:defRPr>
-            </a:lvl9pPr>
-          </a:lstStyle>
-          <a:p>
-            <a:pPr marL="533400" indent="-533400" defTabSz="914400">
-              <a:defRPr/>
-            </a:pPr>
-            <a:r>
-              <a:rPr lang="en-US" altLang="en-US" sz="2400" dirty="0">
-                <a:solidFill>
-                  <a:schemeClr val="tx1"/>
-                </a:solidFill>
-                <a:latin typeface="Comic Sans MS" panose="030F0902030302020204" pitchFamily="66" charset="0"/>
-              </a:rPr>
-              <a:t>Recurrency relation of merge sorting?</a:t>
-            </a:r>
-            <a:endParaRPr lang="en-US" altLang="en-US" sz="2200" dirty="0">
-              <a:solidFill>
-                <a:schemeClr val="tx1"/>
-              </a:solidFill>
-              <a:latin typeface="Comic Sans MS" panose="030F0902030302020204" pitchFamily="66" charset="0"/>
-            </a:endParaRPr>
-          </a:p>
-        </p:txBody>
-      </p:sp>
+      </p:pic>
     </p:spTree>
     <p:extLst>
       <p:ext uri="{BB962C8B-B14F-4D97-AF65-F5344CB8AC3E}">
@@ -20104,6 +19875,66 @@
           </a:p>
         </p:txBody>
       </p:sp>
+      <p:pic>
+        <p:nvPicPr>
+          <p:cNvPr id="2" name="Picture 1">
+            <a:extLst>
+              <a:ext uri="{FF2B5EF4-FFF2-40B4-BE49-F238E27FC236}">
+                <a16:creationId xmlns:a16="http://schemas.microsoft.com/office/drawing/2014/main" id="{3851C12A-3EA3-2A3A-0579-621CD3B47A7F}"/>
+              </a:ext>
+            </a:extLst>
+          </p:cNvPr>
+          <p:cNvPicPr>
+            <a:picLocks noChangeAspect="1"/>
+          </p:cNvPicPr>
+          <p:nvPr/>
+        </p:nvPicPr>
+        <p:blipFill>
+          <a:blip r:embed="rId2"/>
+          <a:stretch>
+            <a:fillRect/>
+          </a:stretch>
+        </p:blipFill>
+        <p:spPr>
+          <a:xfrm>
+            <a:off x="5749159" y="2257537"/>
+            <a:ext cx="3166240" cy="4199004"/>
+          </a:xfrm>
+          <a:prstGeom prst="rect">
+            <a:avLst/>
+          </a:prstGeom>
+        </p:spPr>
+      </p:pic>
+      <p:pic>
+        <p:nvPicPr>
+          <p:cNvPr id="3" name="Picture 2">
+            <a:extLst>
+              <a:ext uri="{FF2B5EF4-FFF2-40B4-BE49-F238E27FC236}">
+                <a16:creationId xmlns:a16="http://schemas.microsoft.com/office/drawing/2014/main" id="{97B75379-A177-BF4E-5375-0DFDCBD17817}"/>
+              </a:ext>
+            </a:extLst>
+          </p:cNvPr>
+          <p:cNvPicPr>
+            <a:picLocks noChangeAspect="1"/>
+          </p:cNvPicPr>
+          <p:nvPr/>
+        </p:nvPicPr>
+        <p:blipFill>
+          <a:blip r:embed="rId3"/>
+          <a:stretch>
+            <a:fillRect/>
+          </a:stretch>
+        </p:blipFill>
+        <p:spPr>
+          <a:xfrm>
+            <a:off x="1857047" y="4972204"/>
+            <a:ext cx="3796777" cy="1484337"/>
+          </a:xfrm>
+          <a:prstGeom prst="rect">
+            <a:avLst/>
+          </a:prstGeom>
+        </p:spPr>
+      </p:pic>
     </p:spTree>
     <p:extLst>
       <p:ext uri="{BB962C8B-B14F-4D97-AF65-F5344CB8AC3E}">
@@ -21534,7 +21365,7 @@
                 </a:solidFill>
                 <a:latin typeface="Comic Sans MS" panose="030F0902030302020204" pitchFamily="66" charset="0"/>
               </a:rPr>
-              <a:t>Recursion: time for sorting left partition (say of size 𝑖) + time for right (size 𝑁 − 𝑖 − 1) + time to combine solutions</a:t>
+              <a:t>Recursion: time for sorting left partition (say of size 𝑖) + time for right (size 𝑁 − 𝑖 − 1) + partition time</a:t>
             </a:r>
           </a:p>
         </p:txBody>
